--- a/srm/data-mining/ch#1/why-data-mining.pptx
+++ b/srm/data-mining/ch#1/why-data-mining.pptx
@@ -3343,7 +3343,7 @@
           <a:lstStyle/>
           <a:p>
             <a:r>
-              <a:rPr lang="en-US"/>
+              <a:rPr lang="en-US" dirty="0"/>
               <a:t>Data Mining</a:t>
             </a:r>
           </a:p>
